--- a/steps.pptx
+++ b/steps.pptx
@@ -5,25 +5,8 @@
     <p:sldMasterId id="2147483648" r:id="rId1"/>
   </p:sldMasterIdLst>
   <p:sldIdLst>
-    <p:sldId id="272" r:id="rId2"/>
-    <p:sldId id="273" r:id="rId3"/>
-    <p:sldId id="268" r:id="rId4"/>
-    <p:sldId id="256" r:id="rId5"/>
-    <p:sldId id="257" r:id="rId6"/>
-    <p:sldId id="258" r:id="rId7"/>
-    <p:sldId id="259" r:id="rId8"/>
-    <p:sldId id="260" r:id="rId9"/>
-    <p:sldId id="261" r:id="rId10"/>
-    <p:sldId id="262" r:id="rId11"/>
-    <p:sldId id="263" r:id="rId12"/>
-    <p:sldId id="264" r:id="rId13"/>
-    <p:sldId id="265" r:id="rId14"/>
-    <p:sldId id="266" r:id="rId15"/>
-    <p:sldId id="269" r:id="rId16"/>
-    <p:sldId id="270" r:id="rId17"/>
-    <p:sldId id="267" r:id="rId18"/>
-    <p:sldId id="271" r:id="rId19"/>
-    <p:sldId id="274" r:id="rId20"/>
+    <p:sldId id="263" r:id="rId2"/>
+    <p:sldId id="275" r:id="rId3"/>
   </p:sldIdLst>
   <p:sldSz cx="12192000" cy="6858000"/>
   <p:notesSz cx="6858000" cy="9144000"/>
@@ -3005,170 +2988,6 @@
             <a:spLocks noGrp="1"/>
           </p:cNvSpPr>
           <p:nvPr>
-            <p:ph type="ctrTitle"/>
-          </p:nvPr>
-        </p:nvSpPr>
-        <p:spPr/>
-        <p:txBody>
-          <a:bodyPr/>
-          <a:lstStyle/>
-          <a:p>
-            <a:r>
-              <a:rPr lang="en-US" dirty="0" smtClean="0"/>
-              <a:t>Install R</a:t>
-            </a:r>
-            <a:endParaRPr lang="en-US" dirty="0"/>
-          </a:p>
-        </p:txBody>
-      </p:sp>
-      <p:sp>
-        <p:nvSpPr>
-          <p:cNvPr id="3" name="Untertitel 2"/>
-          <p:cNvSpPr>
-            <a:spLocks noGrp="1"/>
-          </p:cNvSpPr>
-          <p:nvPr>
-            <p:ph type="subTitle" idx="1"/>
-          </p:nvPr>
-        </p:nvSpPr>
-        <p:spPr/>
-        <p:txBody>
-          <a:bodyPr/>
-          <a:lstStyle/>
-          <a:p>
-            <a:endParaRPr lang="en-US"/>
-          </a:p>
-        </p:txBody>
-      </p:sp>
-    </p:spTree>
-    <p:extLst>
-      <p:ext uri="{BB962C8B-B14F-4D97-AF65-F5344CB8AC3E}">
-        <p14:creationId xmlns:p14="http://schemas.microsoft.com/office/powerpoint/2010/main" val="4035531426"/>
-      </p:ext>
-    </p:extLst>
-  </p:cSld>
-  <p:clrMapOvr>
-    <a:masterClrMapping/>
-  </p:clrMapOvr>
-</p:sld>
-</file>
-
-<file path=ppt/slides/slide10.xml><?xml version="1.0" encoding="utf-8"?>
-<p:sld xmlns:a="http://schemas.openxmlformats.org/drawingml/2006/main" xmlns:r="http://schemas.openxmlformats.org/officeDocument/2006/relationships" xmlns:p="http://schemas.openxmlformats.org/presentationml/2006/main">
-  <p:cSld>
-    <p:spTree>
-      <p:nvGrpSpPr>
-        <p:cNvPr id="1" name=""/>
-        <p:cNvGrpSpPr/>
-        <p:nvPr/>
-      </p:nvGrpSpPr>
-      <p:grpSpPr>
-        <a:xfrm>
-          <a:off x="0" y="0"/>
-          <a:ext cx="0" cy="0"/>
-          <a:chOff x="0" y="0"/>
-          <a:chExt cx="0" cy="0"/>
-        </a:xfrm>
-      </p:grpSpPr>
-      <p:sp>
-        <p:nvSpPr>
-          <p:cNvPr id="2" name="Titel 1"/>
-          <p:cNvSpPr>
-            <a:spLocks noGrp="1"/>
-          </p:cNvSpPr>
-          <p:nvPr>
-            <p:ph type="title"/>
-          </p:nvPr>
-        </p:nvSpPr>
-        <p:spPr/>
-        <p:txBody>
-          <a:bodyPr/>
-          <a:lstStyle/>
-          <a:p>
-            <a:endParaRPr lang="en-US"/>
-          </a:p>
-        </p:txBody>
-      </p:sp>
-      <p:sp>
-        <p:nvSpPr>
-          <p:cNvPr id="3" name="Inhaltsplatzhalter 2"/>
-          <p:cNvSpPr>
-            <a:spLocks noGrp="1"/>
-          </p:cNvSpPr>
-          <p:nvPr>
-            <p:ph idx="1"/>
-          </p:nvPr>
-        </p:nvSpPr>
-        <p:spPr/>
-        <p:txBody>
-          <a:bodyPr/>
-          <a:lstStyle/>
-          <a:p>
-            <a:endParaRPr lang="en-US"/>
-          </a:p>
-        </p:txBody>
-      </p:sp>
-      <p:pic>
-        <p:nvPicPr>
-          <p:cNvPr id="4" name="Grafik 3"/>
-          <p:cNvPicPr>
-            <a:picLocks noChangeAspect="1"/>
-          </p:cNvPicPr>
-          <p:nvPr/>
-        </p:nvPicPr>
-        <p:blipFill>
-          <a:blip r:embed="rId2"/>
-          <a:stretch>
-            <a:fillRect/>
-          </a:stretch>
-        </p:blipFill>
-        <p:spPr>
-          <a:xfrm>
-            <a:off x="-409575" y="-228600"/>
-            <a:ext cx="13011150" cy="7315200"/>
-          </a:xfrm>
-          <a:prstGeom prst="rect">
-            <a:avLst/>
-          </a:prstGeom>
-        </p:spPr>
-      </p:pic>
-    </p:spTree>
-    <p:extLst>
-      <p:ext uri="{BB962C8B-B14F-4D97-AF65-F5344CB8AC3E}">
-        <p14:creationId xmlns:p14="http://schemas.microsoft.com/office/powerpoint/2010/main" val="1436718792"/>
-      </p:ext>
-    </p:extLst>
-  </p:cSld>
-  <p:clrMapOvr>
-    <a:masterClrMapping/>
-  </p:clrMapOvr>
-</p:sld>
-</file>
-
-<file path=ppt/slides/slide11.xml><?xml version="1.0" encoding="utf-8"?>
-<p:sld xmlns:a="http://schemas.openxmlformats.org/drawingml/2006/main" xmlns:r="http://schemas.openxmlformats.org/officeDocument/2006/relationships" xmlns:p="http://schemas.openxmlformats.org/presentationml/2006/main">
-  <p:cSld>
-    <p:spTree>
-      <p:nvGrpSpPr>
-        <p:cNvPr id="1" name=""/>
-        <p:cNvGrpSpPr/>
-        <p:nvPr/>
-      </p:nvGrpSpPr>
-      <p:grpSpPr>
-        <a:xfrm>
-          <a:off x="0" y="0"/>
-          <a:ext cx="0" cy="0"/>
-          <a:chOff x="0" y="0"/>
-          <a:chExt cx="0" cy="0"/>
-        </a:xfrm>
-      </p:grpSpPr>
-      <p:sp>
-        <p:nvSpPr>
-          <p:cNvPr id="2" name="Titel 1"/>
-          <p:cNvSpPr>
-            <a:spLocks noGrp="1"/>
-          </p:cNvSpPr>
-          <p:nvPr>
             <p:ph type="title"/>
           </p:nvPr>
         </p:nvSpPr>
@@ -3237,7 +3056,7 @@
 </p:sld>
 </file>
 
-<file path=ppt/slides/slide12.xml><?xml version="1.0" encoding="utf-8"?>
+<file path=ppt/slides/slide2.xml><?xml version="1.0" encoding="utf-8"?>
 <p:sld xmlns:a="http://schemas.openxmlformats.org/drawingml/2006/main" xmlns:r="http://schemas.openxmlformats.org/officeDocument/2006/relationships" xmlns:p="http://schemas.openxmlformats.org/presentationml/2006/main">
   <p:cSld>
     <p:spTree>
@@ -3319,1407 +3138,7 @@
     </p:spTree>
     <p:extLst>
       <p:ext uri="{BB962C8B-B14F-4D97-AF65-F5344CB8AC3E}">
-        <p14:creationId xmlns:p14="http://schemas.microsoft.com/office/powerpoint/2010/main" val="1145527229"/>
-      </p:ext>
-    </p:extLst>
-  </p:cSld>
-  <p:clrMapOvr>
-    <a:masterClrMapping/>
-  </p:clrMapOvr>
-</p:sld>
-</file>
-
-<file path=ppt/slides/slide13.xml><?xml version="1.0" encoding="utf-8"?>
-<p:sld xmlns:a="http://schemas.openxmlformats.org/drawingml/2006/main" xmlns:r="http://schemas.openxmlformats.org/officeDocument/2006/relationships" xmlns:p="http://schemas.openxmlformats.org/presentationml/2006/main">
-  <p:cSld>
-    <p:spTree>
-      <p:nvGrpSpPr>
-        <p:cNvPr id="1" name=""/>
-        <p:cNvGrpSpPr/>
-        <p:nvPr/>
-      </p:nvGrpSpPr>
-      <p:grpSpPr>
-        <a:xfrm>
-          <a:off x="0" y="0"/>
-          <a:ext cx="0" cy="0"/>
-          <a:chOff x="0" y="0"/>
-          <a:chExt cx="0" cy="0"/>
-        </a:xfrm>
-      </p:grpSpPr>
-      <p:sp>
-        <p:nvSpPr>
-          <p:cNvPr id="2" name="Titel 1"/>
-          <p:cNvSpPr>
-            <a:spLocks noGrp="1"/>
-          </p:cNvSpPr>
-          <p:nvPr>
-            <p:ph type="title"/>
-          </p:nvPr>
-        </p:nvSpPr>
-        <p:spPr/>
-        <p:txBody>
-          <a:bodyPr/>
-          <a:lstStyle/>
-          <a:p>
-            <a:endParaRPr lang="en-US"/>
-          </a:p>
-        </p:txBody>
-      </p:sp>
-      <p:sp>
-        <p:nvSpPr>
-          <p:cNvPr id="3" name="Inhaltsplatzhalter 2"/>
-          <p:cNvSpPr>
-            <a:spLocks noGrp="1"/>
-          </p:cNvSpPr>
-          <p:nvPr>
-            <p:ph idx="1"/>
-          </p:nvPr>
-        </p:nvSpPr>
-        <p:spPr/>
-        <p:txBody>
-          <a:bodyPr/>
-          <a:lstStyle/>
-          <a:p>
-            <a:endParaRPr lang="en-US"/>
-          </a:p>
-        </p:txBody>
-      </p:sp>
-      <p:pic>
-        <p:nvPicPr>
-          <p:cNvPr id="4" name="Grafik 3"/>
-          <p:cNvPicPr>
-            <a:picLocks noChangeAspect="1"/>
-          </p:cNvPicPr>
-          <p:nvPr/>
-        </p:nvPicPr>
-        <p:blipFill>
-          <a:blip r:embed="rId2"/>
-          <a:stretch>
-            <a:fillRect/>
-          </a:stretch>
-        </p:blipFill>
-        <p:spPr>
-          <a:xfrm>
-            <a:off x="-409575" y="-228600"/>
-            <a:ext cx="13011150" cy="7315200"/>
-          </a:xfrm>
-          <a:prstGeom prst="rect">
-            <a:avLst/>
-          </a:prstGeom>
-        </p:spPr>
-      </p:pic>
-    </p:spTree>
-    <p:extLst>
-      <p:ext uri="{BB962C8B-B14F-4D97-AF65-F5344CB8AC3E}">
-        <p14:creationId xmlns:p14="http://schemas.microsoft.com/office/powerpoint/2010/main" val="1236716415"/>
-      </p:ext>
-    </p:extLst>
-  </p:cSld>
-  <p:clrMapOvr>
-    <a:masterClrMapping/>
-  </p:clrMapOvr>
-</p:sld>
-</file>
-
-<file path=ppt/slides/slide14.xml><?xml version="1.0" encoding="utf-8"?>
-<p:sld xmlns:a="http://schemas.openxmlformats.org/drawingml/2006/main" xmlns:r="http://schemas.openxmlformats.org/officeDocument/2006/relationships" xmlns:p="http://schemas.openxmlformats.org/presentationml/2006/main">
-  <p:cSld>
-    <p:spTree>
-      <p:nvGrpSpPr>
-        <p:cNvPr id="1" name=""/>
-        <p:cNvGrpSpPr/>
-        <p:nvPr/>
-      </p:nvGrpSpPr>
-      <p:grpSpPr>
-        <a:xfrm>
-          <a:off x="0" y="0"/>
-          <a:ext cx="0" cy="0"/>
-          <a:chOff x="0" y="0"/>
-          <a:chExt cx="0" cy="0"/>
-        </a:xfrm>
-      </p:grpSpPr>
-      <p:sp>
-        <p:nvSpPr>
-          <p:cNvPr id="2" name="Titel 1"/>
-          <p:cNvSpPr>
-            <a:spLocks noGrp="1"/>
-          </p:cNvSpPr>
-          <p:nvPr>
-            <p:ph type="title"/>
-          </p:nvPr>
-        </p:nvSpPr>
-        <p:spPr/>
-        <p:txBody>
-          <a:bodyPr/>
-          <a:lstStyle/>
-          <a:p>
-            <a:endParaRPr lang="en-US"/>
-          </a:p>
-        </p:txBody>
-      </p:sp>
-      <p:sp>
-        <p:nvSpPr>
-          <p:cNvPr id="3" name="Inhaltsplatzhalter 2"/>
-          <p:cNvSpPr>
-            <a:spLocks noGrp="1"/>
-          </p:cNvSpPr>
-          <p:nvPr>
-            <p:ph idx="1"/>
-          </p:nvPr>
-        </p:nvSpPr>
-        <p:spPr/>
-        <p:txBody>
-          <a:bodyPr/>
-          <a:lstStyle/>
-          <a:p>
-            <a:endParaRPr lang="en-US"/>
-          </a:p>
-        </p:txBody>
-      </p:sp>
-      <p:pic>
-        <p:nvPicPr>
-          <p:cNvPr id="4" name="Grafik 3"/>
-          <p:cNvPicPr>
-            <a:picLocks noChangeAspect="1"/>
-          </p:cNvPicPr>
-          <p:nvPr/>
-        </p:nvPicPr>
-        <p:blipFill>
-          <a:blip r:embed="rId2"/>
-          <a:stretch>
-            <a:fillRect/>
-          </a:stretch>
-        </p:blipFill>
-        <p:spPr>
-          <a:xfrm>
-            <a:off x="-409575" y="-228600"/>
-            <a:ext cx="13011150" cy="7315200"/>
-          </a:xfrm>
-          <a:prstGeom prst="rect">
-            <a:avLst/>
-          </a:prstGeom>
-        </p:spPr>
-      </p:pic>
-    </p:spTree>
-    <p:extLst>
-      <p:ext uri="{BB962C8B-B14F-4D97-AF65-F5344CB8AC3E}">
-        <p14:creationId xmlns:p14="http://schemas.microsoft.com/office/powerpoint/2010/main" val="2377253981"/>
-      </p:ext>
-    </p:extLst>
-  </p:cSld>
-  <p:clrMapOvr>
-    <a:masterClrMapping/>
-  </p:clrMapOvr>
-</p:sld>
-</file>
-
-<file path=ppt/slides/slide15.xml><?xml version="1.0" encoding="utf-8"?>
-<p:sld xmlns:a="http://schemas.openxmlformats.org/drawingml/2006/main" xmlns:r="http://schemas.openxmlformats.org/officeDocument/2006/relationships" xmlns:p="http://schemas.openxmlformats.org/presentationml/2006/main">
-  <p:cSld>
-    <p:spTree>
-      <p:nvGrpSpPr>
-        <p:cNvPr id="1" name=""/>
-        <p:cNvGrpSpPr/>
-        <p:nvPr/>
-      </p:nvGrpSpPr>
-      <p:grpSpPr>
-        <a:xfrm>
-          <a:off x="0" y="0"/>
-          <a:ext cx="0" cy="0"/>
-          <a:chOff x="0" y="0"/>
-          <a:chExt cx="0" cy="0"/>
-        </a:xfrm>
-      </p:grpSpPr>
-      <p:sp>
-        <p:nvSpPr>
-          <p:cNvPr id="2" name="Titel 1"/>
-          <p:cNvSpPr>
-            <a:spLocks noGrp="1"/>
-          </p:cNvSpPr>
-          <p:nvPr>
-            <p:ph type="title"/>
-          </p:nvPr>
-        </p:nvSpPr>
-        <p:spPr/>
-        <p:txBody>
-          <a:bodyPr/>
-          <a:lstStyle/>
-          <a:p>
-            <a:endParaRPr lang="en-US"/>
-          </a:p>
-        </p:txBody>
-      </p:sp>
-      <p:sp>
-        <p:nvSpPr>
-          <p:cNvPr id="3" name="Inhaltsplatzhalter 2"/>
-          <p:cNvSpPr>
-            <a:spLocks noGrp="1"/>
-          </p:cNvSpPr>
-          <p:nvPr>
-            <p:ph idx="1"/>
-          </p:nvPr>
-        </p:nvSpPr>
-        <p:spPr/>
-        <p:txBody>
-          <a:bodyPr/>
-          <a:lstStyle/>
-          <a:p>
-            <a:endParaRPr lang="en-US"/>
-          </a:p>
-        </p:txBody>
-      </p:sp>
-      <p:pic>
-        <p:nvPicPr>
-          <p:cNvPr id="4" name="Grafik 3"/>
-          <p:cNvPicPr>
-            <a:picLocks noChangeAspect="1"/>
-          </p:cNvPicPr>
-          <p:nvPr/>
-        </p:nvPicPr>
-        <p:blipFill>
-          <a:blip r:embed="rId2"/>
-          <a:stretch>
-            <a:fillRect/>
-          </a:stretch>
-        </p:blipFill>
-        <p:spPr>
-          <a:xfrm>
-            <a:off x="-409575" y="-228600"/>
-            <a:ext cx="13011150" cy="7315200"/>
-          </a:xfrm>
-          <a:prstGeom prst="rect">
-            <a:avLst/>
-          </a:prstGeom>
-        </p:spPr>
-      </p:pic>
-    </p:spTree>
-    <p:extLst>
-      <p:ext uri="{BB962C8B-B14F-4D97-AF65-F5344CB8AC3E}">
-        <p14:creationId xmlns:p14="http://schemas.microsoft.com/office/powerpoint/2010/main" val="1496878909"/>
-      </p:ext>
-    </p:extLst>
-  </p:cSld>
-  <p:clrMapOvr>
-    <a:masterClrMapping/>
-  </p:clrMapOvr>
-</p:sld>
-</file>
-
-<file path=ppt/slides/slide16.xml><?xml version="1.0" encoding="utf-8"?>
-<p:sld xmlns:a="http://schemas.openxmlformats.org/drawingml/2006/main" xmlns:r="http://schemas.openxmlformats.org/officeDocument/2006/relationships" xmlns:p="http://schemas.openxmlformats.org/presentationml/2006/main">
-  <p:cSld>
-    <p:spTree>
-      <p:nvGrpSpPr>
-        <p:cNvPr id="1" name=""/>
-        <p:cNvGrpSpPr/>
-        <p:nvPr/>
-      </p:nvGrpSpPr>
-      <p:grpSpPr>
-        <a:xfrm>
-          <a:off x="0" y="0"/>
-          <a:ext cx="0" cy="0"/>
-          <a:chOff x="0" y="0"/>
-          <a:chExt cx="0" cy="0"/>
-        </a:xfrm>
-      </p:grpSpPr>
-      <p:sp>
-        <p:nvSpPr>
-          <p:cNvPr id="2" name="Titel 1"/>
-          <p:cNvSpPr>
-            <a:spLocks noGrp="1"/>
-          </p:cNvSpPr>
-          <p:nvPr>
-            <p:ph type="title"/>
-          </p:nvPr>
-        </p:nvSpPr>
-        <p:spPr/>
-        <p:txBody>
-          <a:bodyPr/>
-          <a:lstStyle/>
-          <a:p>
-            <a:endParaRPr lang="en-US"/>
-          </a:p>
-        </p:txBody>
-      </p:sp>
-      <p:sp>
-        <p:nvSpPr>
-          <p:cNvPr id="3" name="Inhaltsplatzhalter 2"/>
-          <p:cNvSpPr>
-            <a:spLocks noGrp="1"/>
-          </p:cNvSpPr>
-          <p:nvPr>
-            <p:ph idx="1"/>
-          </p:nvPr>
-        </p:nvSpPr>
-        <p:spPr/>
-        <p:txBody>
-          <a:bodyPr/>
-          <a:lstStyle/>
-          <a:p>
-            <a:endParaRPr lang="en-US"/>
-          </a:p>
-        </p:txBody>
-      </p:sp>
-      <p:pic>
-        <p:nvPicPr>
-          <p:cNvPr id="4" name="Grafik 3"/>
-          <p:cNvPicPr>
-            <a:picLocks noChangeAspect="1"/>
-          </p:cNvPicPr>
-          <p:nvPr/>
-        </p:nvPicPr>
-        <p:blipFill>
-          <a:blip r:embed="rId2"/>
-          <a:stretch>
-            <a:fillRect/>
-          </a:stretch>
-        </p:blipFill>
-        <p:spPr>
-          <a:xfrm>
-            <a:off x="-409575" y="-228600"/>
-            <a:ext cx="13011150" cy="7315200"/>
-          </a:xfrm>
-          <a:prstGeom prst="rect">
-            <a:avLst/>
-          </a:prstGeom>
-        </p:spPr>
-      </p:pic>
-    </p:spTree>
-    <p:extLst>
-      <p:ext uri="{BB962C8B-B14F-4D97-AF65-F5344CB8AC3E}">
-        <p14:creationId xmlns:p14="http://schemas.microsoft.com/office/powerpoint/2010/main" val="1737336139"/>
-      </p:ext>
-    </p:extLst>
-  </p:cSld>
-  <p:clrMapOvr>
-    <a:masterClrMapping/>
-  </p:clrMapOvr>
-</p:sld>
-</file>
-
-<file path=ppt/slides/slide17.xml><?xml version="1.0" encoding="utf-8"?>
-<p:sld xmlns:a="http://schemas.openxmlformats.org/drawingml/2006/main" xmlns:r="http://schemas.openxmlformats.org/officeDocument/2006/relationships" xmlns:p="http://schemas.openxmlformats.org/presentationml/2006/main">
-  <p:cSld>
-    <p:spTree>
-      <p:nvGrpSpPr>
-        <p:cNvPr id="1" name=""/>
-        <p:cNvGrpSpPr/>
-        <p:nvPr/>
-      </p:nvGrpSpPr>
-      <p:grpSpPr>
-        <a:xfrm>
-          <a:off x="0" y="0"/>
-          <a:ext cx="0" cy="0"/>
-          <a:chOff x="0" y="0"/>
-          <a:chExt cx="0" cy="0"/>
-        </a:xfrm>
-      </p:grpSpPr>
-      <p:sp>
-        <p:nvSpPr>
-          <p:cNvPr id="2" name="Titel 1"/>
-          <p:cNvSpPr>
-            <a:spLocks noGrp="1"/>
-          </p:cNvSpPr>
-          <p:nvPr>
-            <p:ph type="title"/>
-          </p:nvPr>
-        </p:nvSpPr>
-        <p:spPr/>
-        <p:txBody>
-          <a:bodyPr/>
-          <a:lstStyle/>
-          <a:p>
-            <a:r>
-              <a:rPr lang="en-US" dirty="0" smtClean="0"/>
-              <a:t>Update </a:t>
-            </a:r>
-            <a:r>
-              <a:rPr lang="en-US" dirty="0" err="1" smtClean="0"/>
-              <a:t>RStudio</a:t>
-            </a:r>
-            <a:endParaRPr lang="en-US" dirty="0"/>
-          </a:p>
-        </p:txBody>
-      </p:sp>
-      <p:sp>
-        <p:nvSpPr>
-          <p:cNvPr id="3" name="Inhaltsplatzhalter 2"/>
-          <p:cNvSpPr>
-            <a:spLocks noGrp="1"/>
-          </p:cNvSpPr>
-          <p:nvPr>
-            <p:ph idx="1"/>
-          </p:nvPr>
-        </p:nvSpPr>
-        <p:spPr/>
-        <p:txBody>
-          <a:bodyPr/>
-          <a:lstStyle/>
-          <a:p>
-            <a:endParaRPr lang="en-US"/>
-          </a:p>
-        </p:txBody>
-      </p:sp>
-    </p:spTree>
-    <p:extLst>
-      <p:ext uri="{BB962C8B-B14F-4D97-AF65-F5344CB8AC3E}">
-        <p14:creationId xmlns:p14="http://schemas.microsoft.com/office/powerpoint/2010/main" val="3298102480"/>
-      </p:ext>
-    </p:extLst>
-  </p:cSld>
-  <p:clrMapOvr>
-    <a:masterClrMapping/>
-  </p:clrMapOvr>
-</p:sld>
-</file>
-
-<file path=ppt/slides/slide18.xml><?xml version="1.0" encoding="utf-8"?>
-<p:sld xmlns:a="http://schemas.openxmlformats.org/drawingml/2006/main" xmlns:r="http://schemas.openxmlformats.org/officeDocument/2006/relationships" xmlns:p="http://schemas.openxmlformats.org/presentationml/2006/main">
-  <p:cSld>
-    <p:spTree>
-      <p:nvGrpSpPr>
-        <p:cNvPr id="1" name=""/>
-        <p:cNvGrpSpPr/>
-        <p:nvPr/>
-      </p:nvGrpSpPr>
-      <p:grpSpPr>
-        <a:xfrm>
-          <a:off x="0" y="0"/>
-          <a:ext cx="0" cy="0"/>
-          <a:chOff x="0" y="0"/>
-          <a:chExt cx="0" cy="0"/>
-        </a:xfrm>
-      </p:grpSpPr>
-      <p:sp>
-        <p:nvSpPr>
-          <p:cNvPr id="2" name="Titel 1"/>
-          <p:cNvSpPr>
-            <a:spLocks noGrp="1"/>
-          </p:cNvSpPr>
-          <p:nvPr>
-            <p:ph type="title"/>
-          </p:nvPr>
-        </p:nvSpPr>
-        <p:spPr/>
-        <p:txBody>
-          <a:bodyPr/>
-          <a:lstStyle/>
-          <a:p>
-            <a:endParaRPr lang="en-US"/>
-          </a:p>
-        </p:txBody>
-      </p:sp>
-      <p:sp>
-        <p:nvSpPr>
-          <p:cNvPr id="3" name="Inhaltsplatzhalter 2"/>
-          <p:cNvSpPr>
-            <a:spLocks noGrp="1"/>
-          </p:cNvSpPr>
-          <p:nvPr>
-            <p:ph idx="1"/>
-          </p:nvPr>
-        </p:nvSpPr>
-        <p:spPr/>
-        <p:txBody>
-          <a:bodyPr/>
-          <a:lstStyle/>
-          <a:p>
-            <a:r>
-              <a:rPr lang="en-US" dirty="0" smtClean="0"/>
-              <a:t>“</a:t>
-            </a:r>
-            <a:r>
-              <a:rPr lang="en-US" dirty="0" err="1" smtClean="0"/>
-              <a:t>sessionInfo</a:t>
-            </a:r>
-            <a:r>
-              <a:rPr lang="en-US" dirty="0" smtClean="0"/>
-              <a:t>()” </a:t>
-            </a:r>
-            <a:endParaRPr lang="en-US" dirty="0"/>
-          </a:p>
-        </p:txBody>
-      </p:sp>
-      <p:sp>
-        <p:nvSpPr>
-          <p:cNvPr id="4" name="Rechteck 3"/>
-          <p:cNvSpPr/>
-          <p:nvPr/>
-        </p:nvSpPr>
-        <p:spPr>
-          <a:xfrm>
-            <a:off x="3048000" y="3105835"/>
-            <a:ext cx="6096000" cy="646331"/>
-          </a:xfrm>
-          <a:prstGeom prst="rect">
-            <a:avLst/>
-          </a:prstGeom>
-        </p:spPr>
-        <p:txBody>
-          <a:bodyPr>
-            <a:spAutoFit/>
-          </a:bodyPr>
-          <a:lstStyle/>
-          <a:p>
-            <a:r>
-              <a:rPr lang="en-US" dirty="0" smtClean="0"/>
-              <a:t>https://bookdown.org/pdr_higgins/rmrwr/updating-r-rstudio-and-your-packages.html</a:t>
-            </a:r>
-            <a:endParaRPr lang="en-US" dirty="0"/>
-          </a:p>
-        </p:txBody>
-      </p:sp>
-    </p:spTree>
-    <p:extLst>
-      <p:ext uri="{BB962C8B-B14F-4D97-AF65-F5344CB8AC3E}">
-        <p14:creationId xmlns:p14="http://schemas.microsoft.com/office/powerpoint/2010/main" val="4106267934"/>
-      </p:ext>
-    </p:extLst>
-  </p:cSld>
-  <p:clrMapOvr>
-    <a:masterClrMapping/>
-  </p:clrMapOvr>
-</p:sld>
-</file>
-
-<file path=ppt/slides/slide19.xml><?xml version="1.0" encoding="utf-8"?>
-<p:sld xmlns:a="http://schemas.openxmlformats.org/drawingml/2006/main" xmlns:r="http://schemas.openxmlformats.org/officeDocument/2006/relationships" xmlns:p="http://schemas.openxmlformats.org/presentationml/2006/main">
-  <p:cSld>
-    <p:spTree>
-      <p:nvGrpSpPr>
-        <p:cNvPr id="1" name=""/>
-        <p:cNvGrpSpPr/>
-        <p:nvPr/>
-      </p:nvGrpSpPr>
-      <p:grpSpPr>
-        <a:xfrm>
-          <a:off x="0" y="0"/>
-          <a:ext cx="0" cy="0"/>
-          <a:chOff x="0" y="0"/>
-          <a:chExt cx="0" cy="0"/>
-        </a:xfrm>
-      </p:grpSpPr>
-      <p:sp>
-        <p:nvSpPr>
-          <p:cNvPr id="2" name="Titel 1"/>
-          <p:cNvSpPr>
-            <a:spLocks noGrp="1"/>
-          </p:cNvSpPr>
-          <p:nvPr>
-            <p:ph type="title"/>
-          </p:nvPr>
-        </p:nvSpPr>
-        <p:spPr/>
-        <p:txBody>
-          <a:bodyPr/>
-          <a:lstStyle/>
-          <a:p>
-            <a:endParaRPr lang="en-US"/>
-          </a:p>
-        </p:txBody>
-      </p:sp>
-      <p:sp>
-        <p:nvSpPr>
-          <p:cNvPr id="3" name="Inhaltsplatzhalter 2"/>
-          <p:cNvSpPr>
-            <a:spLocks noGrp="1"/>
-          </p:cNvSpPr>
-          <p:nvPr>
-            <p:ph idx="1"/>
-          </p:nvPr>
-        </p:nvSpPr>
-        <p:spPr/>
-        <p:txBody>
-          <a:bodyPr/>
-          <a:lstStyle/>
-          <a:p>
-            <a:endParaRPr lang="en-US"/>
-          </a:p>
-        </p:txBody>
-      </p:sp>
-      <p:sp>
-        <p:nvSpPr>
-          <p:cNvPr id="4" name="Rechteck 3"/>
-          <p:cNvSpPr/>
-          <p:nvPr/>
-        </p:nvSpPr>
-        <p:spPr>
-          <a:xfrm>
-            <a:off x="5289689" y="3244334"/>
-            <a:ext cx="1612621" cy="369332"/>
-          </a:xfrm>
-          <a:prstGeom prst="rect">
-            <a:avLst/>
-          </a:prstGeom>
-        </p:spPr>
-        <p:txBody>
-          <a:bodyPr wrap="none">
-            <a:spAutoFit/>
-          </a:bodyPr>
-          <a:lstStyle/>
-          <a:p>
-            <a:r>
-              <a:rPr lang="en-US" dirty="0" smtClean="0"/>
-              <a:t>“</a:t>
-            </a:r>
-            <a:r>
-              <a:rPr lang="en-US" dirty="0" err="1" smtClean="0"/>
-              <a:t>sessionInfo</a:t>
-            </a:r>
-            <a:r>
-              <a:rPr lang="en-US" smtClean="0"/>
-              <a:t>()” </a:t>
-            </a:r>
-            <a:endParaRPr lang="en-US"/>
-          </a:p>
-        </p:txBody>
-      </p:sp>
-    </p:spTree>
-    <p:extLst>
-      <p:ext uri="{BB962C8B-B14F-4D97-AF65-F5344CB8AC3E}">
-        <p14:creationId xmlns:p14="http://schemas.microsoft.com/office/powerpoint/2010/main" val="1086042259"/>
-      </p:ext>
-    </p:extLst>
-  </p:cSld>
-  <p:clrMapOvr>
-    <a:masterClrMapping/>
-  </p:clrMapOvr>
-</p:sld>
-</file>
-
-<file path=ppt/slides/slide2.xml><?xml version="1.0" encoding="utf-8"?>
-<p:sld xmlns:a="http://schemas.openxmlformats.org/drawingml/2006/main" xmlns:r="http://schemas.openxmlformats.org/officeDocument/2006/relationships" xmlns:p="http://schemas.openxmlformats.org/presentationml/2006/main">
-  <p:cSld>
-    <p:spTree>
-      <p:nvGrpSpPr>
-        <p:cNvPr id="1" name=""/>
-        <p:cNvGrpSpPr/>
-        <p:nvPr/>
-      </p:nvGrpSpPr>
-      <p:grpSpPr>
-        <a:xfrm>
-          <a:off x="0" y="0"/>
-          <a:ext cx="0" cy="0"/>
-          <a:chOff x="0" y="0"/>
-          <a:chExt cx="0" cy="0"/>
-        </a:xfrm>
-      </p:grpSpPr>
-      <p:sp>
-        <p:nvSpPr>
-          <p:cNvPr id="2" name="Titel 1"/>
-          <p:cNvSpPr>
-            <a:spLocks noGrp="1"/>
-          </p:cNvSpPr>
-          <p:nvPr>
-            <p:ph type="title"/>
-          </p:nvPr>
-        </p:nvSpPr>
-        <p:spPr/>
-        <p:txBody>
-          <a:bodyPr/>
-          <a:lstStyle/>
-          <a:p>
-            <a:endParaRPr lang="en-US"/>
-          </a:p>
-        </p:txBody>
-      </p:sp>
-      <p:sp>
-        <p:nvSpPr>
-          <p:cNvPr id="3" name="Inhaltsplatzhalter 2"/>
-          <p:cNvSpPr>
-            <a:spLocks noGrp="1"/>
-          </p:cNvSpPr>
-          <p:nvPr>
-            <p:ph idx="1"/>
-          </p:nvPr>
-        </p:nvSpPr>
-        <p:spPr/>
-        <p:txBody>
-          <a:bodyPr/>
-          <a:lstStyle/>
-          <a:p>
-            <a:endParaRPr lang="en-US"/>
-          </a:p>
-        </p:txBody>
-      </p:sp>
-      <p:pic>
-        <p:nvPicPr>
-          <p:cNvPr id="4" name="Grafik 3"/>
-          <p:cNvPicPr>
-            <a:picLocks noChangeAspect="1"/>
-          </p:cNvPicPr>
-          <p:nvPr/>
-        </p:nvPicPr>
-        <p:blipFill>
-          <a:blip r:embed="rId2"/>
-          <a:stretch>
-            <a:fillRect/>
-          </a:stretch>
-        </p:blipFill>
-        <p:spPr>
-          <a:xfrm>
-            <a:off x="-409575" y="-228600"/>
-            <a:ext cx="13011150" cy="7315200"/>
-          </a:xfrm>
-          <a:prstGeom prst="rect">
-            <a:avLst/>
-          </a:prstGeom>
-        </p:spPr>
-      </p:pic>
-    </p:spTree>
-    <p:extLst>
-      <p:ext uri="{BB962C8B-B14F-4D97-AF65-F5344CB8AC3E}">
-        <p14:creationId xmlns:p14="http://schemas.microsoft.com/office/powerpoint/2010/main" val="2042544984"/>
-      </p:ext>
-    </p:extLst>
-  </p:cSld>
-  <p:clrMapOvr>
-    <a:masterClrMapping/>
-  </p:clrMapOvr>
-</p:sld>
-</file>
-
-<file path=ppt/slides/slide3.xml><?xml version="1.0" encoding="utf-8"?>
-<p:sld xmlns:a="http://schemas.openxmlformats.org/drawingml/2006/main" xmlns:r="http://schemas.openxmlformats.org/officeDocument/2006/relationships" xmlns:p="http://schemas.openxmlformats.org/presentationml/2006/main">
-  <p:cSld>
-    <p:spTree>
-      <p:nvGrpSpPr>
-        <p:cNvPr id="1" name=""/>
-        <p:cNvGrpSpPr/>
-        <p:nvPr/>
-      </p:nvGrpSpPr>
-      <p:grpSpPr>
-        <a:xfrm>
-          <a:off x="0" y="0"/>
-          <a:ext cx="0" cy="0"/>
-          <a:chOff x="0" y="0"/>
-          <a:chExt cx="0" cy="0"/>
-        </a:xfrm>
-      </p:grpSpPr>
-      <p:sp>
-        <p:nvSpPr>
-          <p:cNvPr id="2" name="Titel 1"/>
-          <p:cNvSpPr>
-            <a:spLocks noGrp="1"/>
-          </p:cNvSpPr>
-          <p:nvPr>
-            <p:ph type="ctrTitle"/>
-          </p:nvPr>
-        </p:nvSpPr>
-        <p:spPr/>
-        <p:txBody>
-          <a:bodyPr/>
-          <a:lstStyle/>
-          <a:p>
-            <a:r>
-              <a:rPr lang="en-US" dirty="0" smtClean="0"/>
-              <a:t>Update R</a:t>
-            </a:r>
-            <a:endParaRPr lang="en-US" dirty="0"/>
-          </a:p>
-        </p:txBody>
-      </p:sp>
-      <p:sp>
-        <p:nvSpPr>
-          <p:cNvPr id="3" name="Untertitel 2"/>
-          <p:cNvSpPr>
-            <a:spLocks noGrp="1"/>
-          </p:cNvSpPr>
-          <p:nvPr>
-            <p:ph type="subTitle" idx="1"/>
-          </p:nvPr>
-        </p:nvSpPr>
-        <p:spPr/>
-        <p:txBody>
-          <a:bodyPr/>
-          <a:lstStyle/>
-          <a:p>
-            <a:endParaRPr lang="en-US"/>
-          </a:p>
-        </p:txBody>
-      </p:sp>
-    </p:spTree>
-    <p:extLst>
-      <p:ext uri="{BB962C8B-B14F-4D97-AF65-F5344CB8AC3E}">
-        <p14:creationId xmlns:p14="http://schemas.microsoft.com/office/powerpoint/2010/main" val="1818790193"/>
-      </p:ext>
-    </p:extLst>
-  </p:cSld>
-  <p:clrMapOvr>
-    <a:masterClrMapping/>
-  </p:clrMapOvr>
-</p:sld>
-</file>
-
-<file path=ppt/slides/slide4.xml><?xml version="1.0" encoding="utf-8"?>
-<p:sld xmlns:a="http://schemas.openxmlformats.org/drawingml/2006/main" xmlns:r="http://schemas.openxmlformats.org/officeDocument/2006/relationships" xmlns:p="http://schemas.openxmlformats.org/presentationml/2006/main">
-  <p:cSld>
-    <p:spTree>
-      <p:nvGrpSpPr>
-        <p:cNvPr id="1" name=""/>
-        <p:cNvGrpSpPr/>
-        <p:nvPr/>
-      </p:nvGrpSpPr>
-      <p:grpSpPr>
-        <a:xfrm>
-          <a:off x="0" y="0"/>
-          <a:ext cx="0" cy="0"/>
-          <a:chOff x="0" y="0"/>
-          <a:chExt cx="0" cy="0"/>
-        </a:xfrm>
-      </p:grpSpPr>
-      <p:sp>
-        <p:nvSpPr>
-          <p:cNvPr id="2" name="Titel 1"/>
-          <p:cNvSpPr>
-            <a:spLocks noGrp="1"/>
-          </p:cNvSpPr>
-          <p:nvPr>
-            <p:ph type="ctrTitle"/>
-          </p:nvPr>
-        </p:nvSpPr>
-        <p:spPr/>
-        <p:txBody>
-          <a:bodyPr/>
-          <a:lstStyle/>
-          <a:p>
-            <a:endParaRPr lang="en-US"/>
-          </a:p>
-        </p:txBody>
-      </p:sp>
-      <p:sp>
-        <p:nvSpPr>
-          <p:cNvPr id="3" name="Untertitel 2"/>
-          <p:cNvSpPr>
-            <a:spLocks noGrp="1"/>
-          </p:cNvSpPr>
-          <p:nvPr>
-            <p:ph type="subTitle" idx="1"/>
-          </p:nvPr>
-        </p:nvSpPr>
-        <p:spPr/>
-        <p:txBody>
-          <a:bodyPr/>
-          <a:lstStyle/>
-          <a:p>
-            <a:endParaRPr lang="en-US"/>
-          </a:p>
-        </p:txBody>
-      </p:sp>
-      <p:pic>
-        <p:nvPicPr>
-          <p:cNvPr id="4" name="Grafik 3"/>
-          <p:cNvPicPr>
-            <a:picLocks noChangeAspect="1"/>
-          </p:cNvPicPr>
-          <p:nvPr/>
-        </p:nvPicPr>
-        <p:blipFill>
-          <a:blip r:embed="rId2"/>
-          <a:stretch>
-            <a:fillRect/>
-          </a:stretch>
-        </p:blipFill>
-        <p:spPr>
-          <a:xfrm>
-            <a:off x="-409575" y="-228600"/>
-            <a:ext cx="13011150" cy="7315200"/>
-          </a:xfrm>
-          <a:prstGeom prst="rect">
-            <a:avLst/>
-          </a:prstGeom>
-        </p:spPr>
-      </p:pic>
-    </p:spTree>
-    <p:extLst>
-      <p:ext uri="{BB962C8B-B14F-4D97-AF65-F5344CB8AC3E}">
-        <p14:creationId xmlns:p14="http://schemas.microsoft.com/office/powerpoint/2010/main" val="4009867996"/>
-      </p:ext>
-    </p:extLst>
-  </p:cSld>
-  <p:clrMapOvr>
-    <a:masterClrMapping/>
-  </p:clrMapOvr>
-</p:sld>
-</file>
-
-<file path=ppt/slides/slide5.xml><?xml version="1.0" encoding="utf-8"?>
-<p:sld xmlns:a="http://schemas.openxmlformats.org/drawingml/2006/main" xmlns:r="http://schemas.openxmlformats.org/officeDocument/2006/relationships" xmlns:p="http://schemas.openxmlformats.org/presentationml/2006/main">
-  <p:cSld>
-    <p:spTree>
-      <p:nvGrpSpPr>
-        <p:cNvPr id="1" name=""/>
-        <p:cNvGrpSpPr/>
-        <p:nvPr/>
-      </p:nvGrpSpPr>
-      <p:grpSpPr>
-        <a:xfrm>
-          <a:off x="0" y="0"/>
-          <a:ext cx="0" cy="0"/>
-          <a:chOff x="0" y="0"/>
-          <a:chExt cx="0" cy="0"/>
-        </a:xfrm>
-      </p:grpSpPr>
-      <p:sp>
-        <p:nvSpPr>
-          <p:cNvPr id="2" name="Titel 1"/>
-          <p:cNvSpPr>
-            <a:spLocks noGrp="1"/>
-          </p:cNvSpPr>
-          <p:nvPr>
-            <p:ph type="title"/>
-          </p:nvPr>
-        </p:nvSpPr>
-        <p:spPr/>
-        <p:txBody>
-          <a:bodyPr/>
-          <a:lstStyle/>
-          <a:p>
-            <a:endParaRPr lang="en-US"/>
-          </a:p>
-        </p:txBody>
-      </p:sp>
-      <p:sp>
-        <p:nvSpPr>
-          <p:cNvPr id="3" name="Inhaltsplatzhalter 2"/>
-          <p:cNvSpPr>
-            <a:spLocks noGrp="1"/>
-          </p:cNvSpPr>
-          <p:nvPr>
-            <p:ph idx="1"/>
-          </p:nvPr>
-        </p:nvSpPr>
-        <p:spPr/>
-        <p:txBody>
-          <a:bodyPr/>
-          <a:lstStyle/>
-          <a:p>
-            <a:endParaRPr lang="en-US"/>
-          </a:p>
-        </p:txBody>
-      </p:sp>
-      <p:pic>
-        <p:nvPicPr>
-          <p:cNvPr id="4" name="Grafik 3"/>
-          <p:cNvPicPr>
-            <a:picLocks noChangeAspect="1"/>
-          </p:cNvPicPr>
-          <p:nvPr/>
-        </p:nvPicPr>
-        <p:blipFill>
-          <a:blip r:embed="rId2"/>
-          <a:stretch>
-            <a:fillRect/>
-          </a:stretch>
-        </p:blipFill>
-        <p:spPr>
-          <a:xfrm>
-            <a:off x="-409575" y="-228600"/>
-            <a:ext cx="13011150" cy="7315200"/>
-          </a:xfrm>
-          <a:prstGeom prst="rect">
-            <a:avLst/>
-          </a:prstGeom>
-        </p:spPr>
-      </p:pic>
-    </p:spTree>
-    <p:extLst>
-      <p:ext uri="{BB962C8B-B14F-4D97-AF65-F5344CB8AC3E}">
-        <p14:creationId xmlns:p14="http://schemas.microsoft.com/office/powerpoint/2010/main" val="986525028"/>
-      </p:ext>
-    </p:extLst>
-  </p:cSld>
-  <p:clrMapOvr>
-    <a:masterClrMapping/>
-  </p:clrMapOvr>
-</p:sld>
-</file>
-
-<file path=ppt/slides/slide6.xml><?xml version="1.0" encoding="utf-8"?>
-<p:sld xmlns:a="http://schemas.openxmlformats.org/drawingml/2006/main" xmlns:r="http://schemas.openxmlformats.org/officeDocument/2006/relationships" xmlns:p="http://schemas.openxmlformats.org/presentationml/2006/main">
-  <p:cSld>
-    <p:spTree>
-      <p:nvGrpSpPr>
-        <p:cNvPr id="1" name=""/>
-        <p:cNvGrpSpPr/>
-        <p:nvPr/>
-      </p:nvGrpSpPr>
-      <p:grpSpPr>
-        <a:xfrm>
-          <a:off x="0" y="0"/>
-          <a:ext cx="0" cy="0"/>
-          <a:chOff x="0" y="0"/>
-          <a:chExt cx="0" cy="0"/>
-        </a:xfrm>
-      </p:grpSpPr>
-      <p:sp>
-        <p:nvSpPr>
-          <p:cNvPr id="2" name="Titel 1"/>
-          <p:cNvSpPr>
-            <a:spLocks noGrp="1"/>
-          </p:cNvSpPr>
-          <p:nvPr>
-            <p:ph type="title"/>
-          </p:nvPr>
-        </p:nvSpPr>
-        <p:spPr/>
-        <p:txBody>
-          <a:bodyPr/>
-          <a:lstStyle/>
-          <a:p>
-            <a:endParaRPr lang="en-US"/>
-          </a:p>
-        </p:txBody>
-      </p:sp>
-      <p:sp>
-        <p:nvSpPr>
-          <p:cNvPr id="3" name="Inhaltsplatzhalter 2"/>
-          <p:cNvSpPr>
-            <a:spLocks noGrp="1"/>
-          </p:cNvSpPr>
-          <p:nvPr>
-            <p:ph idx="1"/>
-          </p:nvPr>
-        </p:nvSpPr>
-        <p:spPr/>
-        <p:txBody>
-          <a:bodyPr/>
-          <a:lstStyle/>
-          <a:p>
-            <a:endParaRPr lang="en-US"/>
-          </a:p>
-        </p:txBody>
-      </p:sp>
-      <p:sp>
-        <p:nvSpPr>
-          <p:cNvPr id="4" name="Rechteck 3"/>
-          <p:cNvSpPr/>
-          <p:nvPr/>
-        </p:nvSpPr>
-        <p:spPr>
-          <a:xfrm>
-            <a:off x="3931016" y="3244334"/>
-            <a:ext cx="4329968" cy="369332"/>
-          </a:xfrm>
-          <a:prstGeom prst="rect">
-            <a:avLst/>
-          </a:prstGeom>
-        </p:spPr>
-        <p:txBody>
-          <a:bodyPr wrap="none">
-            <a:spAutoFit/>
-          </a:bodyPr>
-          <a:lstStyle/>
-          <a:p>
-            <a:r>
-              <a:rPr lang="en-US" dirty="0" smtClean="0"/>
-              <a:t>https://posit.co/download/rstudio-desktop/</a:t>
-            </a:r>
-            <a:endParaRPr lang="en-US" dirty="0"/>
-          </a:p>
-        </p:txBody>
-      </p:sp>
-    </p:spTree>
-    <p:extLst>
-      <p:ext uri="{BB962C8B-B14F-4D97-AF65-F5344CB8AC3E}">
-        <p14:creationId xmlns:p14="http://schemas.microsoft.com/office/powerpoint/2010/main" val="3155812737"/>
-      </p:ext>
-    </p:extLst>
-  </p:cSld>
-  <p:clrMapOvr>
-    <a:masterClrMapping/>
-  </p:clrMapOvr>
-</p:sld>
-</file>
-
-<file path=ppt/slides/slide7.xml><?xml version="1.0" encoding="utf-8"?>
-<p:sld xmlns:a="http://schemas.openxmlformats.org/drawingml/2006/main" xmlns:r="http://schemas.openxmlformats.org/officeDocument/2006/relationships" xmlns:p="http://schemas.openxmlformats.org/presentationml/2006/main">
-  <p:cSld>
-    <p:spTree>
-      <p:nvGrpSpPr>
-        <p:cNvPr id="1" name=""/>
-        <p:cNvGrpSpPr/>
-        <p:nvPr/>
-      </p:nvGrpSpPr>
-      <p:grpSpPr>
-        <a:xfrm>
-          <a:off x="0" y="0"/>
-          <a:ext cx="0" cy="0"/>
-          <a:chOff x="0" y="0"/>
-          <a:chExt cx="0" cy="0"/>
-        </a:xfrm>
-      </p:grpSpPr>
-      <p:sp>
-        <p:nvSpPr>
-          <p:cNvPr id="2" name="Titel 1"/>
-          <p:cNvSpPr>
-            <a:spLocks noGrp="1"/>
-          </p:cNvSpPr>
-          <p:nvPr>
-            <p:ph type="title"/>
-          </p:nvPr>
-        </p:nvSpPr>
-        <p:spPr/>
-        <p:txBody>
-          <a:bodyPr/>
-          <a:lstStyle/>
-          <a:p>
-            <a:endParaRPr lang="en-US"/>
-          </a:p>
-        </p:txBody>
-      </p:sp>
-      <p:sp>
-        <p:nvSpPr>
-          <p:cNvPr id="3" name="Inhaltsplatzhalter 2"/>
-          <p:cNvSpPr>
-            <a:spLocks noGrp="1"/>
-          </p:cNvSpPr>
-          <p:nvPr>
-            <p:ph idx="1"/>
-          </p:nvPr>
-        </p:nvSpPr>
-        <p:spPr/>
-        <p:txBody>
-          <a:bodyPr/>
-          <a:lstStyle/>
-          <a:p>
-            <a:endParaRPr lang="en-US"/>
-          </a:p>
-        </p:txBody>
-      </p:sp>
-      <p:pic>
-        <p:nvPicPr>
-          <p:cNvPr id="4" name="Grafik 3"/>
-          <p:cNvPicPr>
-            <a:picLocks noChangeAspect="1"/>
-          </p:cNvPicPr>
-          <p:nvPr/>
-        </p:nvPicPr>
-        <p:blipFill>
-          <a:blip r:embed="rId2"/>
-          <a:stretch>
-            <a:fillRect/>
-          </a:stretch>
-        </p:blipFill>
-        <p:spPr>
-          <a:xfrm>
-            <a:off x="-409575" y="-228600"/>
-            <a:ext cx="13011150" cy="7315200"/>
-          </a:xfrm>
-          <a:prstGeom prst="rect">
-            <a:avLst/>
-          </a:prstGeom>
-        </p:spPr>
-      </p:pic>
-    </p:spTree>
-    <p:extLst>
-      <p:ext uri="{BB962C8B-B14F-4D97-AF65-F5344CB8AC3E}">
-        <p14:creationId xmlns:p14="http://schemas.microsoft.com/office/powerpoint/2010/main" val="2887762190"/>
-      </p:ext>
-    </p:extLst>
-  </p:cSld>
-  <p:clrMapOvr>
-    <a:masterClrMapping/>
-  </p:clrMapOvr>
-</p:sld>
-</file>
-
-<file path=ppt/slides/slide8.xml><?xml version="1.0" encoding="utf-8"?>
-<p:sld xmlns:a="http://schemas.openxmlformats.org/drawingml/2006/main" xmlns:r="http://schemas.openxmlformats.org/officeDocument/2006/relationships" xmlns:p="http://schemas.openxmlformats.org/presentationml/2006/main">
-  <p:cSld>
-    <p:spTree>
-      <p:nvGrpSpPr>
-        <p:cNvPr id="1" name=""/>
-        <p:cNvGrpSpPr/>
-        <p:nvPr/>
-      </p:nvGrpSpPr>
-      <p:grpSpPr>
-        <a:xfrm>
-          <a:off x="0" y="0"/>
-          <a:ext cx="0" cy="0"/>
-          <a:chOff x="0" y="0"/>
-          <a:chExt cx="0" cy="0"/>
-        </a:xfrm>
-      </p:grpSpPr>
-      <p:sp>
-        <p:nvSpPr>
-          <p:cNvPr id="2" name="Titel 1"/>
-          <p:cNvSpPr>
-            <a:spLocks noGrp="1"/>
-          </p:cNvSpPr>
-          <p:nvPr>
-            <p:ph type="title"/>
-          </p:nvPr>
-        </p:nvSpPr>
-        <p:spPr/>
-        <p:txBody>
-          <a:bodyPr/>
-          <a:lstStyle/>
-          <a:p>
-            <a:endParaRPr lang="en-US"/>
-          </a:p>
-        </p:txBody>
-      </p:sp>
-      <p:sp>
-        <p:nvSpPr>
-          <p:cNvPr id="3" name="Inhaltsplatzhalter 2"/>
-          <p:cNvSpPr>
-            <a:spLocks noGrp="1"/>
-          </p:cNvSpPr>
-          <p:nvPr>
-            <p:ph idx="1"/>
-          </p:nvPr>
-        </p:nvSpPr>
-        <p:spPr/>
-        <p:txBody>
-          <a:bodyPr/>
-          <a:lstStyle/>
-          <a:p>
-            <a:endParaRPr lang="en-US"/>
-          </a:p>
-        </p:txBody>
-      </p:sp>
-      <p:pic>
-        <p:nvPicPr>
-          <p:cNvPr id="4" name="Grafik 3"/>
-          <p:cNvPicPr>
-            <a:picLocks noChangeAspect="1"/>
-          </p:cNvPicPr>
-          <p:nvPr/>
-        </p:nvPicPr>
-        <p:blipFill>
-          <a:blip r:embed="rId2"/>
-          <a:stretch>
-            <a:fillRect/>
-          </a:stretch>
-        </p:blipFill>
-        <p:spPr>
-          <a:xfrm>
-            <a:off x="-409575" y="-228600"/>
-            <a:ext cx="13011150" cy="7315200"/>
-          </a:xfrm>
-          <a:prstGeom prst="rect">
-            <a:avLst/>
-          </a:prstGeom>
-        </p:spPr>
-      </p:pic>
-    </p:spTree>
-    <p:extLst>
-      <p:ext uri="{BB962C8B-B14F-4D97-AF65-F5344CB8AC3E}">
-        <p14:creationId xmlns:p14="http://schemas.microsoft.com/office/powerpoint/2010/main" val="2189592516"/>
-      </p:ext>
-    </p:extLst>
-  </p:cSld>
-  <p:clrMapOvr>
-    <a:masterClrMapping/>
-  </p:clrMapOvr>
-</p:sld>
-</file>
-
-<file path=ppt/slides/slide9.xml><?xml version="1.0" encoding="utf-8"?>
-<p:sld xmlns:a="http://schemas.openxmlformats.org/drawingml/2006/main" xmlns:r="http://schemas.openxmlformats.org/officeDocument/2006/relationships" xmlns:p="http://schemas.openxmlformats.org/presentationml/2006/main">
-  <p:cSld>
-    <p:spTree>
-      <p:nvGrpSpPr>
-        <p:cNvPr id="1" name=""/>
-        <p:cNvGrpSpPr/>
-        <p:nvPr/>
-      </p:nvGrpSpPr>
-      <p:grpSpPr>
-        <a:xfrm>
-          <a:off x="0" y="0"/>
-          <a:ext cx="0" cy="0"/>
-          <a:chOff x="0" y="0"/>
-          <a:chExt cx="0" cy="0"/>
-        </a:xfrm>
-      </p:grpSpPr>
-      <p:sp>
-        <p:nvSpPr>
-          <p:cNvPr id="2" name="Titel 1"/>
-          <p:cNvSpPr>
-            <a:spLocks noGrp="1"/>
-          </p:cNvSpPr>
-          <p:nvPr>
-            <p:ph type="title"/>
-          </p:nvPr>
-        </p:nvSpPr>
-        <p:spPr/>
-        <p:txBody>
-          <a:bodyPr/>
-          <a:lstStyle/>
-          <a:p>
-            <a:endParaRPr lang="en-US"/>
-          </a:p>
-        </p:txBody>
-      </p:sp>
-      <p:sp>
-        <p:nvSpPr>
-          <p:cNvPr id="3" name="Inhaltsplatzhalter 2"/>
-          <p:cNvSpPr>
-            <a:spLocks noGrp="1"/>
-          </p:cNvSpPr>
-          <p:nvPr>
-            <p:ph idx="1"/>
-          </p:nvPr>
-        </p:nvSpPr>
-        <p:spPr/>
-        <p:txBody>
-          <a:bodyPr/>
-          <a:lstStyle/>
-          <a:p>
-            <a:r>
-              <a:rPr lang="en-US" i="1" dirty="0" err="1" smtClean="0"/>
-              <a:t>install.packages</a:t>
-            </a:r>
-            <a:r>
-              <a:rPr lang="en-US" i="1" dirty="0" smtClean="0"/>
-              <a:t>("</a:t>
-            </a:r>
-            <a:r>
-              <a:rPr lang="en-US" i="1" dirty="0" err="1" smtClean="0"/>
-              <a:t>installr</a:t>
-            </a:r>
-            <a:r>
-              <a:rPr lang="en-US" i="1" dirty="0" smtClean="0"/>
-              <a:t>")</a:t>
-            </a:r>
-            <a:endParaRPr lang="en-US" dirty="0" smtClean="0"/>
-          </a:p>
-          <a:p>
-            <a:r>
-              <a:rPr lang="en-US" i="1" dirty="0" smtClean="0"/>
-              <a:t>library(</a:t>
-            </a:r>
-            <a:r>
-              <a:rPr lang="en-US" i="1" dirty="0" err="1" smtClean="0"/>
-              <a:t>installr</a:t>
-            </a:r>
-            <a:r>
-              <a:rPr lang="en-US" i="1" dirty="0" smtClean="0"/>
-              <a:t>)</a:t>
-            </a:r>
-            <a:endParaRPr lang="en-US" dirty="0" smtClean="0"/>
-          </a:p>
-          <a:p>
-            <a:r>
-              <a:rPr lang="en-US" i="1" dirty="0" err="1" smtClean="0"/>
-              <a:t>updateR</a:t>
-            </a:r>
-            <a:r>
-              <a:rPr lang="en-US" i="1" dirty="0" smtClean="0"/>
-              <a:t>()</a:t>
-            </a:r>
-            <a:endParaRPr lang="en-US" dirty="0" smtClean="0"/>
-          </a:p>
-          <a:p>
-            <a:endParaRPr lang="en-US" dirty="0"/>
-          </a:p>
-        </p:txBody>
-      </p:sp>
-    </p:spTree>
-    <p:extLst>
-      <p:ext uri="{BB962C8B-B14F-4D97-AF65-F5344CB8AC3E}">
-        <p14:creationId xmlns:p14="http://schemas.microsoft.com/office/powerpoint/2010/main" val="3107612821"/>
+        <p14:creationId xmlns:p14="http://schemas.microsoft.com/office/powerpoint/2010/main" val="1095722680"/>
       </p:ext>
     </p:extLst>
   </p:cSld>

--- a/steps.pptx
+++ b/steps.pptx
@@ -7,6 +7,8 @@
   <p:sldIdLst>
     <p:sldId id="263" r:id="rId2"/>
     <p:sldId id="275" r:id="rId3"/>
+    <p:sldId id="276" r:id="rId4"/>
+    <p:sldId id="277" r:id="rId5"/>
   </p:sldIdLst>
   <p:sldSz cx="12192000" cy="6858000"/>
   <p:notesSz cx="6858000" cy="9144000"/>
@@ -255,7 +257,7 @@
           <a:p>
             <a:fld id="{BE17E1F7-D3AF-40F2-BEF2-430BC5BF75B0}" type="datetimeFigureOut">
               <a:rPr lang="en-US" smtClean="0"/>
-              <a:t>3/25/2023</a:t>
+              <a:t>3/30/2023</a:t>
             </a:fld>
             <a:endParaRPr lang="en-US"/>
           </a:p>
@@ -425,7 +427,7 @@
           <a:p>
             <a:fld id="{BE17E1F7-D3AF-40F2-BEF2-430BC5BF75B0}" type="datetimeFigureOut">
               <a:rPr lang="en-US" smtClean="0"/>
-              <a:t>3/25/2023</a:t>
+              <a:t>3/30/2023</a:t>
             </a:fld>
             <a:endParaRPr lang="en-US"/>
           </a:p>
@@ -605,7 +607,7 @@
           <a:p>
             <a:fld id="{BE17E1F7-D3AF-40F2-BEF2-430BC5BF75B0}" type="datetimeFigureOut">
               <a:rPr lang="en-US" smtClean="0"/>
-              <a:t>3/25/2023</a:t>
+              <a:t>3/30/2023</a:t>
             </a:fld>
             <a:endParaRPr lang="en-US"/>
           </a:p>
@@ -775,7 +777,7 @@
           <a:p>
             <a:fld id="{BE17E1F7-D3AF-40F2-BEF2-430BC5BF75B0}" type="datetimeFigureOut">
               <a:rPr lang="en-US" smtClean="0"/>
-              <a:t>3/25/2023</a:t>
+              <a:t>3/30/2023</a:t>
             </a:fld>
             <a:endParaRPr lang="en-US"/>
           </a:p>
@@ -1021,7 +1023,7 @@
           <a:p>
             <a:fld id="{BE17E1F7-D3AF-40F2-BEF2-430BC5BF75B0}" type="datetimeFigureOut">
               <a:rPr lang="en-US" smtClean="0"/>
-              <a:t>3/25/2023</a:t>
+              <a:t>3/30/2023</a:t>
             </a:fld>
             <a:endParaRPr lang="en-US"/>
           </a:p>
@@ -1253,7 +1255,7 @@
           <a:p>
             <a:fld id="{BE17E1F7-D3AF-40F2-BEF2-430BC5BF75B0}" type="datetimeFigureOut">
               <a:rPr lang="en-US" smtClean="0"/>
-              <a:t>3/25/2023</a:t>
+              <a:t>3/30/2023</a:t>
             </a:fld>
             <a:endParaRPr lang="en-US"/>
           </a:p>
@@ -1620,7 +1622,7 @@
           <a:p>
             <a:fld id="{BE17E1F7-D3AF-40F2-BEF2-430BC5BF75B0}" type="datetimeFigureOut">
               <a:rPr lang="en-US" smtClean="0"/>
-              <a:t>3/25/2023</a:t>
+              <a:t>3/30/2023</a:t>
             </a:fld>
             <a:endParaRPr lang="en-US"/>
           </a:p>
@@ -1738,7 +1740,7 @@
           <a:p>
             <a:fld id="{BE17E1F7-D3AF-40F2-BEF2-430BC5BF75B0}" type="datetimeFigureOut">
               <a:rPr lang="en-US" smtClean="0"/>
-              <a:t>3/25/2023</a:t>
+              <a:t>3/30/2023</a:t>
             </a:fld>
             <a:endParaRPr lang="en-US"/>
           </a:p>
@@ -1833,7 +1835,7 @@
           <a:p>
             <a:fld id="{BE17E1F7-D3AF-40F2-BEF2-430BC5BF75B0}" type="datetimeFigureOut">
               <a:rPr lang="en-US" smtClean="0"/>
-              <a:t>3/25/2023</a:t>
+              <a:t>3/30/2023</a:t>
             </a:fld>
             <a:endParaRPr lang="en-US"/>
           </a:p>
@@ -2110,7 +2112,7 @@
           <a:p>
             <a:fld id="{BE17E1F7-D3AF-40F2-BEF2-430BC5BF75B0}" type="datetimeFigureOut">
               <a:rPr lang="en-US" smtClean="0"/>
-              <a:t>3/25/2023</a:t>
+              <a:t>3/30/2023</a:t>
             </a:fld>
             <a:endParaRPr lang="en-US"/>
           </a:p>
@@ -2363,7 +2365,7 @@
           <a:p>
             <a:fld id="{BE17E1F7-D3AF-40F2-BEF2-430BC5BF75B0}" type="datetimeFigureOut">
               <a:rPr lang="en-US" smtClean="0"/>
-              <a:t>3/25/2023</a:t>
+              <a:t>3/30/2023</a:t>
             </a:fld>
             <a:endParaRPr lang="en-US"/>
           </a:p>
@@ -2576,7 +2578,7 @@
           <a:p>
             <a:fld id="{BE17E1F7-D3AF-40F2-BEF2-430BC5BF75B0}" type="datetimeFigureOut">
               <a:rPr lang="en-US" smtClean="0"/>
-              <a:t>3/25/2023</a:t>
+              <a:t>3/30/2023</a:t>
             </a:fld>
             <a:endParaRPr lang="en-US"/>
           </a:p>
@@ -3148,6 +3150,188 @@
 </p:sld>
 </file>
 
+<file path=ppt/slides/slide3.xml><?xml version="1.0" encoding="utf-8"?>
+<p:sld xmlns:a="http://schemas.openxmlformats.org/drawingml/2006/main" xmlns:r="http://schemas.openxmlformats.org/officeDocument/2006/relationships" xmlns:p="http://schemas.openxmlformats.org/presentationml/2006/main">
+  <p:cSld>
+    <p:spTree>
+      <p:nvGrpSpPr>
+        <p:cNvPr id="1" name=""/>
+        <p:cNvGrpSpPr/>
+        <p:nvPr/>
+      </p:nvGrpSpPr>
+      <p:grpSpPr>
+        <a:xfrm>
+          <a:off x="0" y="0"/>
+          <a:ext cx="0" cy="0"/>
+          <a:chOff x="0" y="0"/>
+          <a:chExt cx="0" cy="0"/>
+        </a:xfrm>
+      </p:grpSpPr>
+      <p:sp>
+        <p:nvSpPr>
+          <p:cNvPr id="2" name="Titel 1"/>
+          <p:cNvSpPr>
+            <a:spLocks noGrp="1"/>
+          </p:cNvSpPr>
+          <p:nvPr>
+            <p:ph type="title"/>
+          </p:nvPr>
+        </p:nvSpPr>
+        <p:spPr/>
+        <p:txBody>
+          <a:bodyPr/>
+          <a:lstStyle/>
+          <a:p>
+            <a:endParaRPr lang="en-US"/>
+          </a:p>
+        </p:txBody>
+      </p:sp>
+      <p:sp>
+        <p:nvSpPr>
+          <p:cNvPr id="3" name="Inhaltsplatzhalter 2"/>
+          <p:cNvSpPr>
+            <a:spLocks noGrp="1"/>
+          </p:cNvSpPr>
+          <p:nvPr>
+            <p:ph idx="1"/>
+          </p:nvPr>
+        </p:nvSpPr>
+        <p:spPr/>
+        <p:txBody>
+          <a:bodyPr/>
+          <a:lstStyle/>
+          <a:p>
+            <a:endParaRPr lang="en-US"/>
+          </a:p>
+        </p:txBody>
+      </p:sp>
+      <p:pic>
+        <p:nvPicPr>
+          <p:cNvPr id="4" name="Grafik 3"/>
+          <p:cNvPicPr>
+            <a:picLocks noChangeAspect="1"/>
+          </p:cNvPicPr>
+          <p:nvPr/>
+        </p:nvPicPr>
+        <p:blipFill rotWithShape="1">
+          <a:blip r:embed="rId2"/>
+          <a:srcRect l="32865" t="33661" r="33401" b="46339"/>
+          <a:stretch/>
+        </p:blipFill>
+        <p:spPr>
+          <a:xfrm>
+            <a:off x="3866605" y="2233748"/>
+            <a:ext cx="4389121" cy="1463041"/>
+          </a:xfrm>
+          <a:prstGeom prst="rect">
+            <a:avLst/>
+          </a:prstGeom>
+        </p:spPr>
+      </p:pic>
+    </p:spTree>
+    <p:extLst>
+      <p:ext uri="{BB962C8B-B14F-4D97-AF65-F5344CB8AC3E}">
+        <p14:creationId xmlns:p14="http://schemas.microsoft.com/office/powerpoint/2010/main" val="2950972544"/>
+      </p:ext>
+    </p:extLst>
+  </p:cSld>
+  <p:clrMapOvr>
+    <a:masterClrMapping/>
+  </p:clrMapOvr>
+</p:sld>
+</file>
+
+<file path=ppt/slides/slide4.xml><?xml version="1.0" encoding="utf-8"?>
+<p:sld xmlns:a="http://schemas.openxmlformats.org/drawingml/2006/main" xmlns:r="http://schemas.openxmlformats.org/officeDocument/2006/relationships" xmlns:p="http://schemas.openxmlformats.org/presentationml/2006/main">
+  <p:cSld>
+    <p:spTree>
+      <p:nvGrpSpPr>
+        <p:cNvPr id="1" name=""/>
+        <p:cNvGrpSpPr/>
+        <p:nvPr/>
+      </p:nvGrpSpPr>
+      <p:grpSpPr>
+        <a:xfrm>
+          <a:off x="0" y="0"/>
+          <a:ext cx="0" cy="0"/>
+          <a:chOff x="0" y="0"/>
+          <a:chExt cx="0" cy="0"/>
+        </a:xfrm>
+      </p:grpSpPr>
+      <p:sp>
+        <p:nvSpPr>
+          <p:cNvPr id="2" name="Titel 1"/>
+          <p:cNvSpPr>
+            <a:spLocks noGrp="1"/>
+          </p:cNvSpPr>
+          <p:nvPr>
+            <p:ph type="title"/>
+          </p:nvPr>
+        </p:nvSpPr>
+        <p:spPr/>
+        <p:txBody>
+          <a:bodyPr/>
+          <a:lstStyle/>
+          <a:p>
+            <a:endParaRPr lang="en-US"/>
+          </a:p>
+        </p:txBody>
+      </p:sp>
+      <p:sp>
+        <p:nvSpPr>
+          <p:cNvPr id="3" name="Inhaltsplatzhalter 2"/>
+          <p:cNvSpPr>
+            <a:spLocks noGrp="1"/>
+          </p:cNvSpPr>
+          <p:nvPr>
+            <p:ph idx="1"/>
+          </p:nvPr>
+        </p:nvSpPr>
+        <p:spPr/>
+        <p:txBody>
+          <a:bodyPr/>
+          <a:lstStyle/>
+          <a:p>
+            <a:endParaRPr lang="en-US"/>
+          </a:p>
+        </p:txBody>
+      </p:sp>
+      <p:pic>
+        <p:nvPicPr>
+          <p:cNvPr id="4" name="Grafik 3"/>
+          <p:cNvPicPr>
+            <a:picLocks noChangeAspect="1"/>
+          </p:cNvPicPr>
+          <p:nvPr/>
+        </p:nvPicPr>
+        <p:blipFill rotWithShape="1">
+          <a:blip r:embed="rId2"/>
+          <a:srcRect l="59471" t="62946" r="5792" b="10804"/>
+          <a:stretch/>
+        </p:blipFill>
+        <p:spPr>
+          <a:xfrm>
+            <a:off x="7328263" y="4376056"/>
+            <a:ext cx="4519748" cy="1920241"/>
+          </a:xfrm>
+          <a:prstGeom prst="rect">
+            <a:avLst/>
+          </a:prstGeom>
+        </p:spPr>
+      </p:pic>
+    </p:spTree>
+    <p:extLst>
+      <p:ext uri="{BB962C8B-B14F-4D97-AF65-F5344CB8AC3E}">
+        <p14:creationId xmlns:p14="http://schemas.microsoft.com/office/powerpoint/2010/main" val="1530953497"/>
+      </p:ext>
+    </p:extLst>
+  </p:cSld>
+  <p:clrMapOvr>
+    <a:masterClrMapping/>
+  </p:clrMapOvr>
+</p:sld>
+</file>
+
 <file path=ppt/theme/theme1.xml><?xml version="1.0" encoding="utf-8"?>
 <a:theme xmlns:a="http://schemas.openxmlformats.org/drawingml/2006/main" name="Office">
   <a:themeElements>
